--- a/ppt/GIT02-Commit.pptx
+++ b/ppt/GIT02-Commit.pptx
@@ -5,10 +5,10 @@
     <p:sldMasterId id="2147483653" r:id="rId1"/>
   </p:sldMasterIdLst>
   <p:notesMasterIdLst>
-    <p:notesMasterId r:id="rId25"/>
+    <p:notesMasterId r:id="rId26"/>
   </p:notesMasterIdLst>
   <p:handoutMasterIdLst>
-    <p:handoutMasterId r:id="rId26"/>
+    <p:handoutMasterId r:id="rId27"/>
   </p:handoutMasterIdLst>
   <p:sldIdLst>
     <p:sldId id="264" r:id="rId2"/>
@@ -32,8 +32,9 @@
     <p:sldId id="382" r:id="rId20"/>
     <p:sldId id="376" r:id="rId21"/>
     <p:sldId id="378" r:id="rId22"/>
-    <p:sldId id="383" r:id="rId23"/>
-    <p:sldId id="384" r:id="rId24"/>
+    <p:sldId id="385" r:id="rId23"/>
+    <p:sldId id="383" r:id="rId24"/>
+    <p:sldId id="384" r:id="rId25"/>
   </p:sldIdLst>
   <p:sldSz cx="9144000" cy="6858000" type="screen4x3"/>
   <p:notesSz cx="6648450" cy="9782175"/>
@@ -5450,6 +5451,119 @@
           <p:cNvPr id="2" name="Titre 1">
             <a:extLst>
               <a:ext uri="{FF2B5EF4-FFF2-40B4-BE49-F238E27FC236}">
+                <a16:creationId xmlns:a16="http://schemas.microsoft.com/office/drawing/2014/main" id="{C36FF441-0695-0FBB-B4AD-EFDFAFDAADBD}"/>
+              </a:ext>
+            </a:extLst>
+          </p:cNvPr>
+          <p:cNvSpPr>
+            <a:spLocks noGrp="1"/>
+          </p:cNvSpPr>
+          <p:nvPr>
+            <p:ph type="title"/>
+          </p:nvPr>
+        </p:nvSpPr>
+        <p:spPr/>
+        <p:txBody>
+          <a:bodyPr/>
+          <a:lstStyle/>
+          <a:p>
+            <a:r>
+              <a:rPr lang="fr-FR" dirty="0"/>
+              <a:t>Fichiers volumineux</a:t>
+            </a:r>
+          </a:p>
+        </p:txBody>
+      </p:sp>
+      <p:sp>
+        <p:nvSpPr>
+          <p:cNvPr id="3" name="Espace réservé du contenu 2">
+            <a:extLst>
+              <a:ext uri="{FF2B5EF4-FFF2-40B4-BE49-F238E27FC236}">
+                <a16:creationId xmlns:a16="http://schemas.microsoft.com/office/drawing/2014/main" id="{EF5C9EE6-DFD2-A741-FB9D-11AE9C563E8F}"/>
+              </a:ext>
+            </a:extLst>
+          </p:cNvPr>
+          <p:cNvSpPr>
+            <a:spLocks noGrp="1"/>
+          </p:cNvSpPr>
+          <p:nvPr>
+            <p:ph idx="1"/>
+          </p:nvPr>
+        </p:nvSpPr>
+        <p:spPr/>
+        <p:txBody>
+          <a:bodyPr/>
+          <a:lstStyle/>
+          <a:p>
+            <a:r>
+              <a:rPr lang="fr-FR" dirty="0" err="1"/>
+              <a:t>Gitgub</a:t>
+            </a:r>
+            <a:r>
+              <a:rPr lang="fr-FR" dirty="0"/>
+              <a:t> ne prends pas en compte les fichiers &gt; 100Mo</a:t>
+            </a:r>
+          </a:p>
+          <a:p>
+            <a:r>
+              <a:rPr lang="fr-FR" dirty="0"/>
+              <a:t>Diff n'est pas efficace pour les fichiers volumineux</a:t>
+            </a:r>
+          </a:p>
+          <a:p>
+            <a:r>
+              <a:rPr lang="fr-FR" dirty="0"/>
+              <a:t>Diff ne sait pas gérer les fichiers binaires</a:t>
+            </a:r>
+          </a:p>
+          <a:p>
+            <a:pPr lvl="1"/>
+            <a:r>
+              <a:rPr lang="fr-FR" dirty="0"/>
+              <a:t>Restocker entièrement à </a:t>
+            </a:r>
+            <a:r>
+              <a:rPr lang="fr-FR"/>
+              <a:t>chaque modification</a:t>
+            </a:r>
+          </a:p>
+        </p:txBody>
+      </p:sp>
+    </p:spTree>
+    <p:extLst>
+      <p:ext uri="{BB962C8B-B14F-4D97-AF65-F5344CB8AC3E}">
+        <p14:creationId xmlns:p14="http://schemas.microsoft.com/office/powerpoint/2010/main" val="3063654526"/>
+      </p:ext>
+    </p:extLst>
+  </p:cSld>
+  <p:clrMapOvr>
+    <a:masterClrMapping/>
+  </p:clrMapOvr>
+</p:sld>
+</file>
+
+<file path=ppt/slides/slide23.xml><?xml version="1.0" encoding="utf-8"?>
+<p:sld xmlns:a="http://schemas.openxmlformats.org/drawingml/2006/main" xmlns:r="http://schemas.openxmlformats.org/officeDocument/2006/relationships" xmlns:p="http://schemas.openxmlformats.org/presentationml/2006/main">
+  <p:cSld>
+    <p:spTree>
+      <p:nvGrpSpPr>
+        <p:cNvPr id="1" name=""/>
+        <p:cNvGrpSpPr/>
+        <p:nvPr/>
+      </p:nvGrpSpPr>
+      <p:grpSpPr>
+        <a:xfrm>
+          <a:off x="0" y="0"/>
+          <a:ext cx="0" cy="0"/>
+          <a:chOff x="0" y="0"/>
+          <a:chExt cx="0" cy="0"/>
+        </a:xfrm>
+      </p:grpSpPr>
+      <p:sp>
+        <p:nvSpPr>
+          <p:cNvPr id="2" name="Titre 1">
+            <a:extLst>
+              <a:ext uri="{FF2B5EF4-FFF2-40B4-BE49-F238E27FC236}">
                 <a16:creationId xmlns:a16="http://schemas.microsoft.com/office/drawing/2014/main" id="{6A18F70A-4F50-6AA3-7FC0-BAFB96FC85A9}"/>
               </a:ext>
             </a:extLst>
@@ -5566,7 +5680,7 @@
 </p:sld>
 </file>
 
-<file path=ppt/slides/slide23.xml><?xml version="1.0" encoding="utf-8"?>
+<file path=ppt/slides/slide24.xml><?xml version="1.0" encoding="utf-8"?>
 <p:sld xmlns:a="http://schemas.openxmlformats.org/drawingml/2006/main" xmlns:r="http://schemas.openxmlformats.org/officeDocument/2006/relationships" xmlns:p="http://schemas.openxmlformats.org/presentationml/2006/main">
   <p:cSld>
     <p:spTree>

--- a/ppt/GIT02-Commit.pptx
+++ b/ppt/GIT02-Commit.pptx
@@ -4231,14 +4231,18 @@
           <a:p>
             <a:r>
               <a:rPr lang="fr-FR" dirty="0"/>
-              <a:t>Un commit est identifié par un code hexadécimal</a:t>
+              <a:t>Un commit est identifié par un code SHA</a:t>
             </a:r>
           </a:p>
           <a:p>
             <a:pPr lvl="1"/>
             <a:r>
-              <a:rPr lang="fr-FR" dirty="0"/>
-              <a:t>Seul 6 hexa sont affichées mais il y en a plus</a:t>
+              <a:rPr lang="fr-FR"/>
+              <a:t>Seul 8 </a:t>
+            </a:r>
+            <a:r>
+              <a:rPr lang="fr-FR" dirty="0"/>
+              <a:t>hexa sont affichées mais il y en a plus</a:t>
             </a:r>
           </a:p>
           <a:p>

--- a/ppt/GIT02-Commit.pptx
+++ b/ppt/GIT02-Commit.pptx
@@ -5,10 +5,10 @@
     <p:sldMasterId id="2147483653" r:id="rId1"/>
   </p:sldMasterIdLst>
   <p:notesMasterIdLst>
-    <p:notesMasterId r:id="rId26"/>
+    <p:notesMasterId r:id="rId27"/>
   </p:notesMasterIdLst>
   <p:handoutMasterIdLst>
-    <p:handoutMasterId r:id="rId27"/>
+    <p:handoutMasterId r:id="rId28"/>
   </p:handoutMasterIdLst>
   <p:sldIdLst>
     <p:sldId id="264" r:id="rId2"/>
@@ -25,16 +25,17 @@
     <p:sldId id="380" r:id="rId13"/>
     <p:sldId id="377" r:id="rId14"/>
     <p:sldId id="375" r:id="rId15"/>
-    <p:sldId id="372" r:id="rId16"/>
-    <p:sldId id="373" r:id="rId17"/>
-    <p:sldId id="381" r:id="rId18"/>
-    <p:sldId id="374" r:id="rId19"/>
-    <p:sldId id="382" r:id="rId20"/>
-    <p:sldId id="376" r:id="rId21"/>
-    <p:sldId id="378" r:id="rId22"/>
-    <p:sldId id="385" r:id="rId23"/>
-    <p:sldId id="383" r:id="rId24"/>
-    <p:sldId id="384" r:id="rId25"/>
+    <p:sldId id="386" r:id="rId16"/>
+    <p:sldId id="372" r:id="rId17"/>
+    <p:sldId id="373" r:id="rId18"/>
+    <p:sldId id="381" r:id="rId19"/>
+    <p:sldId id="374" r:id="rId20"/>
+    <p:sldId id="382" r:id="rId21"/>
+    <p:sldId id="376" r:id="rId22"/>
+    <p:sldId id="378" r:id="rId23"/>
+    <p:sldId id="385" r:id="rId24"/>
+    <p:sldId id="383" r:id="rId25"/>
+    <p:sldId id="384" r:id="rId26"/>
   </p:sldIdLst>
   <p:sldSz cx="9144000" cy="6858000" type="screen4x3"/>
   <p:notesSz cx="6648450" cy="9782175"/>
@@ -4467,6 +4468,162 @@
           <p:cNvPr id="2" name="Titre 1">
             <a:extLst>
               <a:ext uri="{FF2B5EF4-FFF2-40B4-BE49-F238E27FC236}">
+                <a16:creationId xmlns:a16="http://schemas.microsoft.com/office/drawing/2014/main" id="{ADF80E89-C343-FE5A-8C98-5F52A2C1846D}"/>
+              </a:ext>
+            </a:extLst>
+          </p:cNvPr>
+          <p:cNvSpPr>
+            <a:spLocks noGrp="1"/>
+          </p:cNvSpPr>
+          <p:nvPr>
+            <p:ph type="title"/>
+          </p:nvPr>
+        </p:nvSpPr>
+        <p:spPr/>
+        <p:txBody>
+          <a:bodyPr/>
+          <a:lstStyle/>
+          <a:p>
+            <a:r>
+              <a:rPr lang="fr-FR" dirty="0"/>
+              <a:t>Modification d'un fichier</a:t>
+            </a:r>
+          </a:p>
+        </p:txBody>
+      </p:sp>
+      <p:sp>
+        <p:nvSpPr>
+          <p:cNvPr id="3" name="Espace réservé du contenu 2">
+            <a:extLst>
+              <a:ext uri="{FF2B5EF4-FFF2-40B4-BE49-F238E27FC236}">
+                <a16:creationId xmlns:a16="http://schemas.microsoft.com/office/drawing/2014/main" id="{BBC5B3CD-3BF9-EC5D-48DD-9FE2208EED6B}"/>
+              </a:ext>
+            </a:extLst>
+          </p:cNvPr>
+          <p:cNvSpPr>
+            <a:spLocks noGrp="1"/>
+          </p:cNvSpPr>
+          <p:nvPr>
+            <p:ph idx="1"/>
+          </p:nvPr>
+        </p:nvSpPr>
+        <p:spPr/>
+        <p:txBody>
+          <a:bodyPr/>
+          <a:lstStyle/>
+          <a:p>
+            <a:r>
+              <a:rPr lang="fr-FR" dirty="0"/>
+              <a:t>Quand un fichier est modifié il doit être mis dans l'index avec git </a:t>
+            </a:r>
+            <a:r>
+              <a:rPr lang="fr-FR" dirty="0" err="1"/>
+              <a:t>add</a:t>
+            </a:r>
+            <a:endParaRPr lang="fr-FR" dirty="0"/>
+          </a:p>
+          <a:p>
+            <a:pPr lvl="1"/>
+            <a:r>
+              <a:rPr lang="fr-FR" dirty="0"/>
+              <a:t>Lors d'un commit c'est un peu lourd</a:t>
+            </a:r>
+          </a:p>
+          <a:p>
+            <a:pPr lvl="1"/>
+            <a:r>
+              <a:rPr lang="fr-FR" dirty="0"/>
+              <a:t>git </a:t>
+            </a:r>
+            <a:r>
+              <a:rPr lang="fr-FR" dirty="0" err="1"/>
+              <a:t>add</a:t>
+            </a:r>
+            <a:r>
+              <a:rPr lang="fr-FR" dirty="0"/>
+              <a:t> *</a:t>
+            </a:r>
+          </a:p>
+          <a:p>
+            <a:pPr lvl="1"/>
+            <a:r>
+              <a:rPr lang="fr-FR" dirty="0"/>
+              <a:t>git commit –m</a:t>
+            </a:r>
+          </a:p>
+          <a:p>
+            <a:r>
+              <a:rPr lang="fr-FR" dirty="0"/>
+              <a:t>Git commit –-all est un raccourci pour éviter cela</a:t>
+            </a:r>
+          </a:p>
+          <a:p>
+            <a:pPr lvl="1"/>
+            <a:r>
+              <a:rPr lang="fr-FR" dirty="0"/>
+              <a:t>git commit –</a:t>
+            </a:r>
+            <a:r>
+              <a:rPr lang="fr-FR" dirty="0" err="1"/>
+              <a:t>am</a:t>
+            </a:r>
+            <a:endParaRPr lang="fr-FR" dirty="0"/>
+          </a:p>
+          <a:p>
+            <a:pPr lvl="1"/>
+            <a:r>
+              <a:rPr lang="fr-FR" dirty="0"/>
+              <a:t>Attention ne prends toujours pas en compte les nouveaux fichiers : git </a:t>
+            </a:r>
+            <a:r>
+              <a:rPr lang="fr-FR" dirty="0" err="1"/>
+              <a:t>add</a:t>
+            </a:r>
+            <a:r>
+              <a:rPr lang="fr-FR" dirty="0"/>
+              <a:t> obligatoire</a:t>
+            </a:r>
+          </a:p>
+          <a:p>
+            <a:endParaRPr lang="fr-FR" dirty="0"/>
+          </a:p>
+        </p:txBody>
+      </p:sp>
+    </p:spTree>
+    <p:extLst>
+      <p:ext uri="{BB962C8B-B14F-4D97-AF65-F5344CB8AC3E}">
+        <p14:creationId xmlns:p14="http://schemas.microsoft.com/office/powerpoint/2010/main" val="235022514"/>
+      </p:ext>
+    </p:extLst>
+  </p:cSld>
+  <p:clrMapOvr>
+    <a:masterClrMapping/>
+  </p:clrMapOvr>
+</p:sld>
+</file>
+
+<file path=ppt/slides/slide16.xml><?xml version="1.0" encoding="utf-8"?>
+<p:sld xmlns:a="http://schemas.openxmlformats.org/drawingml/2006/main" xmlns:r="http://schemas.openxmlformats.org/officeDocument/2006/relationships" xmlns:p="http://schemas.openxmlformats.org/presentationml/2006/main">
+  <p:cSld>
+    <p:spTree>
+      <p:nvGrpSpPr>
+        <p:cNvPr id="1" name=""/>
+        <p:cNvGrpSpPr/>
+        <p:nvPr/>
+      </p:nvGrpSpPr>
+      <p:grpSpPr>
+        <a:xfrm>
+          <a:off x="0" y="0"/>
+          <a:ext cx="0" cy="0"/>
+          <a:chOff x="0" y="0"/>
+          <a:chExt cx="0" cy="0"/>
+        </a:xfrm>
+      </p:grpSpPr>
+      <p:sp>
+        <p:nvSpPr>
+          <p:cNvPr id="2" name="Titre 1">
+            <a:extLst>
+              <a:ext uri="{FF2B5EF4-FFF2-40B4-BE49-F238E27FC236}">
                 <a16:creationId xmlns:a16="http://schemas.microsoft.com/office/drawing/2014/main" id="{C634D9F1-83CD-C82A-A192-384998D40C43}"/>
               </a:ext>
             </a:extLst>
@@ -4552,7 +4709,7 @@
 </p:sld>
 </file>
 
-<file path=ppt/slides/slide16.xml><?xml version="1.0" encoding="utf-8"?>
+<file path=ppt/slides/slide17.xml><?xml version="1.0" encoding="utf-8"?>
 <p:sld xmlns:a="http://schemas.openxmlformats.org/drawingml/2006/main" xmlns:r="http://schemas.openxmlformats.org/officeDocument/2006/relationships" xmlns:p="http://schemas.openxmlformats.org/presentationml/2006/main">
   <p:cSld>
     <p:spTree>
@@ -4665,7 +4822,7 @@
 </p:sld>
 </file>
 
-<file path=ppt/slides/slide17.xml><?xml version="1.0" encoding="utf-8"?>
+<file path=ppt/slides/slide18.xml><?xml version="1.0" encoding="utf-8"?>
 <p:sld xmlns:a="http://schemas.openxmlformats.org/drawingml/2006/main" xmlns:r="http://schemas.openxmlformats.org/officeDocument/2006/relationships" xmlns:p="http://schemas.openxmlformats.org/presentationml/2006/main">
   <p:cSld>
     <p:spTree>
@@ -4778,7 +4935,7 @@
 </p:sld>
 </file>
 
-<file path=ppt/slides/slide18.xml><?xml version="1.0" encoding="utf-8"?>
+<file path=ppt/slides/slide19.xml><?xml version="1.0" encoding="utf-8"?>
 <p:sld xmlns:a="http://schemas.openxmlformats.org/drawingml/2006/main" xmlns:r="http://schemas.openxmlformats.org/officeDocument/2006/relationships" xmlns:p="http://schemas.openxmlformats.org/presentationml/2006/main">
   <p:cSld>
     <p:spTree>
@@ -4897,7 +5054,140 @@
 </p:sld>
 </file>
 
-<file path=ppt/slides/slide19.xml><?xml version="1.0" encoding="utf-8"?>
+<file path=ppt/slides/slide2.xml><?xml version="1.0" encoding="utf-8"?>
+<p:sld xmlns:a="http://schemas.openxmlformats.org/drawingml/2006/main" xmlns:r="http://schemas.openxmlformats.org/officeDocument/2006/relationships" xmlns:p="http://schemas.openxmlformats.org/presentationml/2006/main">
+  <p:cSld>
+    <p:spTree>
+      <p:nvGrpSpPr>
+        <p:cNvPr id="1" name=""/>
+        <p:cNvGrpSpPr/>
+        <p:nvPr/>
+      </p:nvGrpSpPr>
+      <p:grpSpPr>
+        <a:xfrm>
+          <a:off x="0" y="0"/>
+          <a:ext cx="0" cy="0"/>
+          <a:chOff x="0" y="0"/>
+          <a:chExt cx="0" cy="0"/>
+        </a:xfrm>
+      </p:grpSpPr>
+      <p:sp>
+        <p:nvSpPr>
+          <p:cNvPr id="2" name="Titre 1">
+            <a:extLst>
+              <a:ext uri="{FF2B5EF4-FFF2-40B4-BE49-F238E27FC236}">
+                <a16:creationId xmlns:a16="http://schemas.microsoft.com/office/drawing/2014/main" id="{BEDEFE67-BD5C-F5A1-CE6C-07ADA7D928C0}"/>
+              </a:ext>
+            </a:extLst>
+          </p:cNvPr>
+          <p:cNvSpPr>
+            <a:spLocks noGrp="1"/>
+          </p:cNvSpPr>
+          <p:nvPr>
+            <p:ph type="title"/>
+          </p:nvPr>
+        </p:nvSpPr>
+        <p:spPr/>
+        <p:txBody>
+          <a:bodyPr/>
+          <a:lstStyle/>
+          <a:p>
+            <a:r>
+              <a:rPr lang="fr-FR" dirty="0"/>
+              <a:t>CLI</a:t>
+            </a:r>
+          </a:p>
+        </p:txBody>
+      </p:sp>
+      <p:sp>
+        <p:nvSpPr>
+          <p:cNvPr id="3" name="Espace réservé du contenu 2">
+            <a:extLst>
+              <a:ext uri="{FF2B5EF4-FFF2-40B4-BE49-F238E27FC236}">
+                <a16:creationId xmlns:a16="http://schemas.microsoft.com/office/drawing/2014/main" id="{CBD9E935-E5C9-F619-B215-87351678A0D6}"/>
+              </a:ext>
+            </a:extLst>
+          </p:cNvPr>
+          <p:cNvSpPr>
+            <a:spLocks noGrp="1"/>
+          </p:cNvSpPr>
+          <p:nvPr>
+            <p:ph idx="1"/>
+          </p:nvPr>
+        </p:nvSpPr>
+        <p:spPr/>
+        <p:txBody>
+          <a:bodyPr/>
+          <a:lstStyle/>
+          <a:p>
+            <a:r>
+              <a:rPr lang="fr-FR" dirty="0"/>
+              <a:t>Fonctionne en CLI par défaut</a:t>
+            </a:r>
+          </a:p>
+          <a:p>
+            <a:pPr lvl="1"/>
+            <a:r>
+              <a:rPr lang="fr-FR" dirty="0"/>
+              <a:t>Command Line Interface</a:t>
+            </a:r>
+          </a:p>
+          <a:p>
+            <a:r>
+              <a:rPr lang="fr-FR" dirty="0"/>
+              <a:t>IDE Graphique</a:t>
+            </a:r>
+          </a:p>
+          <a:p>
+            <a:pPr lvl="1"/>
+            <a:r>
+              <a:rPr lang="fr-FR" dirty="0" err="1"/>
+              <a:t>Github</a:t>
+            </a:r>
+            <a:r>
+              <a:rPr lang="fr-FR" dirty="0"/>
+              <a:t> Desktop</a:t>
+            </a:r>
+          </a:p>
+          <a:p>
+            <a:pPr lvl="1"/>
+            <a:r>
+              <a:rPr lang="fr-FR" dirty="0" err="1"/>
+              <a:t>VSCode</a:t>
+            </a:r>
+            <a:endParaRPr lang="fr-FR" dirty="0"/>
+          </a:p>
+          <a:p>
+            <a:pPr lvl="1"/>
+            <a:r>
+              <a:rPr lang="fr-FR" dirty="0" err="1"/>
+              <a:t>PyCharm</a:t>
+            </a:r>
+            <a:endParaRPr lang="fr-FR" dirty="0"/>
+          </a:p>
+          <a:p>
+            <a:pPr lvl="1"/>
+            <a:r>
+              <a:rPr lang="fr-FR" dirty="0"/>
+              <a:t>Sous tous les IDE modernes</a:t>
+            </a:r>
+          </a:p>
+        </p:txBody>
+      </p:sp>
+    </p:spTree>
+    <p:extLst>
+      <p:ext uri="{BB962C8B-B14F-4D97-AF65-F5344CB8AC3E}">
+        <p14:creationId xmlns:p14="http://schemas.microsoft.com/office/powerpoint/2010/main" val="1009413597"/>
+      </p:ext>
+    </p:extLst>
+  </p:cSld>
+  <p:clrMapOvr>
+    <a:masterClrMapping/>
+  </p:clrMapOvr>
+</p:sld>
+</file>
+
+<file path=ppt/slides/slide20.xml><?xml version="1.0" encoding="utf-8"?>
 <p:sld xmlns:a="http://schemas.openxmlformats.org/drawingml/2006/main" xmlns:r="http://schemas.openxmlformats.org/officeDocument/2006/relationships" xmlns:p="http://schemas.openxmlformats.org/presentationml/2006/main">
   <p:cSld>
     <p:spTree>
@@ -5010,140 +5300,7 @@
 </p:sld>
 </file>
 
-<file path=ppt/slides/slide2.xml><?xml version="1.0" encoding="utf-8"?>
-<p:sld xmlns:a="http://schemas.openxmlformats.org/drawingml/2006/main" xmlns:r="http://schemas.openxmlformats.org/officeDocument/2006/relationships" xmlns:p="http://schemas.openxmlformats.org/presentationml/2006/main">
-  <p:cSld>
-    <p:spTree>
-      <p:nvGrpSpPr>
-        <p:cNvPr id="1" name=""/>
-        <p:cNvGrpSpPr/>
-        <p:nvPr/>
-      </p:nvGrpSpPr>
-      <p:grpSpPr>
-        <a:xfrm>
-          <a:off x="0" y="0"/>
-          <a:ext cx="0" cy="0"/>
-          <a:chOff x="0" y="0"/>
-          <a:chExt cx="0" cy="0"/>
-        </a:xfrm>
-      </p:grpSpPr>
-      <p:sp>
-        <p:nvSpPr>
-          <p:cNvPr id="2" name="Titre 1">
-            <a:extLst>
-              <a:ext uri="{FF2B5EF4-FFF2-40B4-BE49-F238E27FC236}">
-                <a16:creationId xmlns:a16="http://schemas.microsoft.com/office/drawing/2014/main" id="{BEDEFE67-BD5C-F5A1-CE6C-07ADA7D928C0}"/>
-              </a:ext>
-            </a:extLst>
-          </p:cNvPr>
-          <p:cNvSpPr>
-            <a:spLocks noGrp="1"/>
-          </p:cNvSpPr>
-          <p:nvPr>
-            <p:ph type="title"/>
-          </p:nvPr>
-        </p:nvSpPr>
-        <p:spPr/>
-        <p:txBody>
-          <a:bodyPr/>
-          <a:lstStyle/>
-          <a:p>
-            <a:r>
-              <a:rPr lang="fr-FR" dirty="0"/>
-              <a:t>CLI</a:t>
-            </a:r>
-          </a:p>
-        </p:txBody>
-      </p:sp>
-      <p:sp>
-        <p:nvSpPr>
-          <p:cNvPr id="3" name="Espace réservé du contenu 2">
-            <a:extLst>
-              <a:ext uri="{FF2B5EF4-FFF2-40B4-BE49-F238E27FC236}">
-                <a16:creationId xmlns:a16="http://schemas.microsoft.com/office/drawing/2014/main" id="{CBD9E935-E5C9-F619-B215-87351678A0D6}"/>
-              </a:ext>
-            </a:extLst>
-          </p:cNvPr>
-          <p:cNvSpPr>
-            <a:spLocks noGrp="1"/>
-          </p:cNvSpPr>
-          <p:nvPr>
-            <p:ph idx="1"/>
-          </p:nvPr>
-        </p:nvSpPr>
-        <p:spPr/>
-        <p:txBody>
-          <a:bodyPr/>
-          <a:lstStyle/>
-          <a:p>
-            <a:r>
-              <a:rPr lang="fr-FR" dirty="0"/>
-              <a:t>Fonctionne en CLI par défaut</a:t>
-            </a:r>
-          </a:p>
-          <a:p>
-            <a:pPr lvl="1"/>
-            <a:r>
-              <a:rPr lang="fr-FR" dirty="0"/>
-              <a:t>Command Line Interface</a:t>
-            </a:r>
-          </a:p>
-          <a:p>
-            <a:r>
-              <a:rPr lang="fr-FR" dirty="0"/>
-              <a:t>IDE Graphique</a:t>
-            </a:r>
-          </a:p>
-          <a:p>
-            <a:pPr lvl="1"/>
-            <a:r>
-              <a:rPr lang="fr-FR" dirty="0" err="1"/>
-              <a:t>Github</a:t>
-            </a:r>
-            <a:r>
-              <a:rPr lang="fr-FR" dirty="0"/>
-              <a:t> Desktop</a:t>
-            </a:r>
-          </a:p>
-          <a:p>
-            <a:pPr lvl="1"/>
-            <a:r>
-              <a:rPr lang="fr-FR" dirty="0" err="1"/>
-              <a:t>VSCode</a:t>
-            </a:r>
-            <a:endParaRPr lang="fr-FR" dirty="0"/>
-          </a:p>
-          <a:p>
-            <a:pPr lvl="1"/>
-            <a:r>
-              <a:rPr lang="fr-FR" dirty="0" err="1"/>
-              <a:t>PyCharm</a:t>
-            </a:r>
-            <a:endParaRPr lang="fr-FR" dirty="0"/>
-          </a:p>
-          <a:p>
-            <a:pPr lvl="1"/>
-            <a:r>
-              <a:rPr lang="fr-FR" dirty="0"/>
-              <a:t>Sous tous les IDE modernes</a:t>
-            </a:r>
-          </a:p>
-        </p:txBody>
-      </p:sp>
-    </p:spTree>
-    <p:extLst>
-      <p:ext uri="{BB962C8B-B14F-4D97-AF65-F5344CB8AC3E}">
-        <p14:creationId xmlns:p14="http://schemas.microsoft.com/office/powerpoint/2010/main" val="1009413597"/>
-      </p:ext>
-    </p:extLst>
-  </p:cSld>
-  <p:clrMapOvr>
-    <a:masterClrMapping/>
-  </p:clrMapOvr>
-</p:sld>
-</file>
-
-<file path=ppt/slides/slide20.xml><?xml version="1.0" encoding="utf-8"?>
+<file path=ppt/slides/slide21.xml><?xml version="1.0" encoding="utf-8"?>
 <p:sld xmlns:a="http://schemas.openxmlformats.org/drawingml/2006/main" xmlns:r="http://schemas.openxmlformats.org/officeDocument/2006/relationships" xmlns:p="http://schemas.openxmlformats.org/presentationml/2006/main">
   <p:cSld>
     <p:spTree>
@@ -5296,143 +5453,6 @@
 </p:sld>
 </file>
 
-<file path=ppt/slides/slide21.xml><?xml version="1.0" encoding="utf-8"?>
-<p:sld xmlns:a="http://schemas.openxmlformats.org/drawingml/2006/main" xmlns:r="http://schemas.openxmlformats.org/officeDocument/2006/relationships" xmlns:p="http://schemas.openxmlformats.org/presentationml/2006/main">
-  <p:cSld>
-    <p:spTree>
-      <p:nvGrpSpPr>
-        <p:cNvPr id="1" name=""/>
-        <p:cNvGrpSpPr/>
-        <p:nvPr/>
-      </p:nvGrpSpPr>
-      <p:grpSpPr>
-        <a:xfrm>
-          <a:off x="0" y="0"/>
-          <a:ext cx="0" cy="0"/>
-          <a:chOff x="0" y="0"/>
-          <a:chExt cx="0" cy="0"/>
-        </a:xfrm>
-      </p:grpSpPr>
-      <p:sp>
-        <p:nvSpPr>
-          <p:cNvPr id="2" name="Titre 1">
-            <a:extLst>
-              <a:ext uri="{FF2B5EF4-FFF2-40B4-BE49-F238E27FC236}">
-                <a16:creationId xmlns:a16="http://schemas.microsoft.com/office/drawing/2014/main" id="{01B9459A-06BF-2E4C-13CB-F8D64982C979}"/>
-              </a:ext>
-            </a:extLst>
-          </p:cNvPr>
-          <p:cNvSpPr>
-            <a:spLocks noGrp="1"/>
-          </p:cNvSpPr>
-          <p:nvPr>
-            <p:ph type="title"/>
-          </p:nvPr>
-        </p:nvSpPr>
-        <p:spPr/>
-        <p:txBody>
-          <a:bodyPr/>
-          <a:lstStyle/>
-          <a:p>
-            <a:r>
-              <a:rPr lang="fr-FR" dirty="0"/>
-              <a:t>Diff</a:t>
-            </a:r>
-          </a:p>
-        </p:txBody>
-      </p:sp>
-      <p:sp>
-        <p:nvSpPr>
-          <p:cNvPr id="3" name="Espace réservé du contenu 2">
-            <a:extLst>
-              <a:ext uri="{FF2B5EF4-FFF2-40B4-BE49-F238E27FC236}">
-                <a16:creationId xmlns:a16="http://schemas.microsoft.com/office/drawing/2014/main" id="{AB7CDF2F-4C77-0D91-6A5C-616B42CB1D0C}"/>
-              </a:ext>
-            </a:extLst>
-          </p:cNvPr>
-          <p:cNvSpPr>
-            <a:spLocks noGrp="1"/>
-          </p:cNvSpPr>
-          <p:nvPr>
-            <p:ph idx="1"/>
-          </p:nvPr>
-        </p:nvSpPr>
-        <p:spPr/>
-        <p:txBody>
-          <a:bodyPr/>
-          <a:lstStyle/>
-          <a:p>
-            <a:r>
-              <a:rPr lang="fr-FR" dirty="0"/>
-              <a:t>Git diff &lt;référence&gt; &lt;comparé&gt;</a:t>
-            </a:r>
-          </a:p>
-          <a:p>
-            <a:pPr lvl="1"/>
-            <a:r>
-              <a:rPr lang="fr-FR" dirty="0"/>
-              <a:t>Affiche le diff entre 2 </a:t>
-            </a:r>
-            <a:r>
-              <a:rPr lang="fr-FR" dirty="0" err="1"/>
-              <a:t>commits</a:t>
-            </a:r>
-            <a:endParaRPr lang="fr-FR" dirty="0"/>
-          </a:p>
-          <a:p>
-            <a:r>
-              <a:rPr lang="fr-FR" dirty="0"/>
-              <a:t>git </a:t>
-            </a:r>
-            <a:r>
-              <a:rPr lang="fr-FR" dirty="0" err="1"/>
-              <a:t>status</a:t>
-            </a:r>
-            <a:endParaRPr lang="fr-FR" dirty="0"/>
-          </a:p>
-          <a:p>
-            <a:pPr lvl="1"/>
-            <a:r>
-              <a:rPr lang="fr-FR" dirty="0"/>
-              <a:t>Affiche le </a:t>
-            </a:r>
-            <a:r>
-              <a:rPr lang="fr-FR" dirty="0" err="1"/>
-              <a:t>status</a:t>
-            </a:r>
-            <a:r>
-              <a:rPr lang="fr-FR" dirty="0"/>
-              <a:t> en cours</a:t>
-            </a:r>
-          </a:p>
-          <a:p>
-            <a:r>
-              <a:rPr lang="fr-FR" dirty="0"/>
-              <a:t>git log</a:t>
-            </a:r>
-          </a:p>
-          <a:p>
-            <a:pPr lvl="1"/>
-            <a:r>
-              <a:rPr lang="fr-FR" dirty="0"/>
-              <a:t>Affiche l'historique</a:t>
-            </a:r>
-          </a:p>
-        </p:txBody>
-      </p:sp>
-    </p:spTree>
-    <p:extLst>
-      <p:ext uri="{BB962C8B-B14F-4D97-AF65-F5344CB8AC3E}">
-        <p14:creationId xmlns:p14="http://schemas.microsoft.com/office/powerpoint/2010/main" val="1677539152"/>
-      </p:ext>
-    </p:extLst>
-  </p:cSld>
-  <p:clrMapOvr>
-    <a:masterClrMapping/>
-  </p:clrMapOvr>
-</p:sld>
-</file>
-
 <file path=ppt/slides/slide22.xml><?xml version="1.0" encoding="utf-8"?>
 <p:sld xmlns:a="http://schemas.openxmlformats.org/drawingml/2006/main" xmlns:r="http://schemas.openxmlformats.org/officeDocument/2006/relationships" xmlns:p="http://schemas.openxmlformats.org/presentationml/2006/main">
   <p:cSld>
@@ -5455,7 +5475,7 @@
           <p:cNvPr id="2" name="Titre 1">
             <a:extLst>
               <a:ext uri="{FF2B5EF4-FFF2-40B4-BE49-F238E27FC236}">
-                <a16:creationId xmlns:a16="http://schemas.microsoft.com/office/drawing/2014/main" id="{C36FF441-0695-0FBB-B4AD-EFDFAFDAADBD}"/>
+                <a16:creationId xmlns:a16="http://schemas.microsoft.com/office/drawing/2014/main" id="{01B9459A-06BF-2E4C-13CB-F8D64982C979}"/>
               </a:ext>
             </a:extLst>
           </p:cNvPr>
@@ -5473,7 +5493,7 @@
           <a:p>
             <a:r>
               <a:rPr lang="fr-FR" dirty="0"/>
-              <a:t>Fichiers volumineux</a:t>
+              <a:t>Diff</a:t>
             </a:r>
           </a:p>
         </p:txBody>
@@ -5483,7 +5503,7 @@
           <p:cNvPr id="3" name="Espace réservé du contenu 2">
             <a:extLst>
               <a:ext uri="{FF2B5EF4-FFF2-40B4-BE49-F238E27FC236}">
-                <a16:creationId xmlns:a16="http://schemas.microsoft.com/office/drawing/2014/main" id="{EF5C9EE6-DFD2-A741-FB9D-11AE9C563E8F}"/>
+                <a16:creationId xmlns:a16="http://schemas.microsoft.com/office/drawing/2014/main" id="{AB7CDF2F-4C77-0D91-6A5C-616B42CB1D0C}"/>
               </a:ext>
             </a:extLst>
           </p:cNvPr>
@@ -5500,35 +5520,59 @@
           <a:lstStyle/>
           <a:p>
             <a:r>
+              <a:rPr lang="fr-FR" dirty="0"/>
+              <a:t>Git diff &lt;référence&gt; &lt;comparé&gt;</a:t>
+            </a:r>
+          </a:p>
+          <a:p>
+            <a:pPr lvl="1"/>
+            <a:r>
+              <a:rPr lang="fr-FR" dirty="0"/>
+              <a:t>Affiche le diff entre 2 </a:t>
+            </a:r>
+            <a:r>
               <a:rPr lang="fr-FR" dirty="0" err="1"/>
-              <a:t>Gitgub</a:t>
-            </a:r>
-            <a:r>
-              <a:rPr lang="fr-FR" dirty="0"/>
-              <a:t> ne prends pas en compte les fichiers &gt; 100Mo</a:t>
-            </a:r>
-          </a:p>
-          <a:p>
-            <a:r>
-              <a:rPr lang="fr-FR" dirty="0"/>
-              <a:t>Diff n'est pas efficace pour les fichiers volumineux</a:t>
-            </a:r>
-          </a:p>
-          <a:p>
-            <a:r>
-              <a:rPr lang="fr-FR" dirty="0"/>
-              <a:t>Diff ne sait pas gérer les fichiers binaires</a:t>
-            </a:r>
+              <a:t>commits</a:t>
+            </a:r>
+            <a:endParaRPr lang="fr-FR" dirty="0"/>
+          </a:p>
+          <a:p>
+            <a:r>
+              <a:rPr lang="fr-FR" dirty="0"/>
+              <a:t>git </a:t>
+            </a:r>
+            <a:r>
+              <a:rPr lang="fr-FR" dirty="0" err="1"/>
+              <a:t>status</a:t>
+            </a:r>
+            <a:endParaRPr lang="fr-FR" dirty="0"/>
           </a:p>
           <a:p>
             <a:pPr lvl="1"/>
             <a:r>
               <a:rPr lang="fr-FR" dirty="0"/>
-              <a:t>Restocker entièrement à </a:t>
-            </a:r>
-            <a:r>
-              <a:rPr lang="fr-FR"/>
-              <a:t>chaque modification</a:t>
+              <a:t>Affiche le </a:t>
+            </a:r>
+            <a:r>
+              <a:rPr lang="fr-FR" dirty="0" err="1"/>
+              <a:t>status</a:t>
+            </a:r>
+            <a:r>
+              <a:rPr lang="fr-FR" dirty="0"/>
+              <a:t> en cours</a:t>
+            </a:r>
+          </a:p>
+          <a:p>
+            <a:r>
+              <a:rPr lang="fr-FR" dirty="0"/>
+              <a:t>git log</a:t>
+            </a:r>
+          </a:p>
+          <a:p>
+            <a:pPr lvl="1"/>
+            <a:r>
+              <a:rPr lang="fr-FR" dirty="0"/>
+              <a:t>Affiche l'historique</a:t>
             </a:r>
           </a:p>
         </p:txBody>
@@ -5536,7 +5580,7 @@
     </p:spTree>
     <p:extLst>
       <p:ext uri="{BB962C8B-B14F-4D97-AF65-F5344CB8AC3E}">
-        <p14:creationId xmlns:p14="http://schemas.microsoft.com/office/powerpoint/2010/main" val="3063654526"/>
+        <p14:creationId xmlns:p14="http://schemas.microsoft.com/office/powerpoint/2010/main" val="1677539152"/>
       </p:ext>
     </p:extLst>
   </p:cSld>
@@ -5568,6 +5612,119 @@
           <p:cNvPr id="2" name="Titre 1">
             <a:extLst>
               <a:ext uri="{FF2B5EF4-FFF2-40B4-BE49-F238E27FC236}">
+                <a16:creationId xmlns:a16="http://schemas.microsoft.com/office/drawing/2014/main" id="{C36FF441-0695-0FBB-B4AD-EFDFAFDAADBD}"/>
+              </a:ext>
+            </a:extLst>
+          </p:cNvPr>
+          <p:cNvSpPr>
+            <a:spLocks noGrp="1"/>
+          </p:cNvSpPr>
+          <p:nvPr>
+            <p:ph type="title"/>
+          </p:nvPr>
+        </p:nvSpPr>
+        <p:spPr/>
+        <p:txBody>
+          <a:bodyPr/>
+          <a:lstStyle/>
+          <a:p>
+            <a:r>
+              <a:rPr lang="fr-FR" dirty="0"/>
+              <a:t>Fichiers volumineux</a:t>
+            </a:r>
+          </a:p>
+        </p:txBody>
+      </p:sp>
+      <p:sp>
+        <p:nvSpPr>
+          <p:cNvPr id="3" name="Espace réservé du contenu 2">
+            <a:extLst>
+              <a:ext uri="{FF2B5EF4-FFF2-40B4-BE49-F238E27FC236}">
+                <a16:creationId xmlns:a16="http://schemas.microsoft.com/office/drawing/2014/main" id="{EF5C9EE6-DFD2-A741-FB9D-11AE9C563E8F}"/>
+              </a:ext>
+            </a:extLst>
+          </p:cNvPr>
+          <p:cNvSpPr>
+            <a:spLocks noGrp="1"/>
+          </p:cNvSpPr>
+          <p:nvPr>
+            <p:ph idx="1"/>
+          </p:nvPr>
+        </p:nvSpPr>
+        <p:spPr/>
+        <p:txBody>
+          <a:bodyPr/>
+          <a:lstStyle/>
+          <a:p>
+            <a:r>
+              <a:rPr lang="fr-FR" dirty="0" err="1"/>
+              <a:t>Gitgub</a:t>
+            </a:r>
+            <a:r>
+              <a:rPr lang="fr-FR" dirty="0"/>
+              <a:t> ne prends pas en compte les fichiers &gt; 100Mo</a:t>
+            </a:r>
+          </a:p>
+          <a:p>
+            <a:r>
+              <a:rPr lang="fr-FR" dirty="0"/>
+              <a:t>Diff n'est pas efficace pour les fichiers volumineux</a:t>
+            </a:r>
+          </a:p>
+          <a:p>
+            <a:r>
+              <a:rPr lang="fr-FR" dirty="0"/>
+              <a:t>Diff ne sait pas gérer les fichiers binaires</a:t>
+            </a:r>
+          </a:p>
+          <a:p>
+            <a:pPr lvl="1"/>
+            <a:r>
+              <a:rPr lang="fr-FR" dirty="0"/>
+              <a:t>Restocker entièrement à </a:t>
+            </a:r>
+            <a:r>
+              <a:rPr lang="fr-FR"/>
+              <a:t>chaque modification</a:t>
+            </a:r>
+          </a:p>
+        </p:txBody>
+      </p:sp>
+    </p:spTree>
+    <p:extLst>
+      <p:ext uri="{BB962C8B-B14F-4D97-AF65-F5344CB8AC3E}">
+        <p14:creationId xmlns:p14="http://schemas.microsoft.com/office/powerpoint/2010/main" val="3063654526"/>
+      </p:ext>
+    </p:extLst>
+  </p:cSld>
+  <p:clrMapOvr>
+    <a:masterClrMapping/>
+  </p:clrMapOvr>
+</p:sld>
+</file>
+
+<file path=ppt/slides/slide24.xml><?xml version="1.0" encoding="utf-8"?>
+<p:sld xmlns:a="http://schemas.openxmlformats.org/drawingml/2006/main" xmlns:r="http://schemas.openxmlformats.org/officeDocument/2006/relationships" xmlns:p="http://schemas.openxmlformats.org/presentationml/2006/main">
+  <p:cSld>
+    <p:spTree>
+      <p:nvGrpSpPr>
+        <p:cNvPr id="1" name=""/>
+        <p:cNvGrpSpPr/>
+        <p:nvPr/>
+      </p:nvGrpSpPr>
+      <p:grpSpPr>
+        <a:xfrm>
+          <a:off x="0" y="0"/>
+          <a:ext cx="0" cy="0"/>
+          <a:chOff x="0" y="0"/>
+          <a:chExt cx="0" cy="0"/>
+        </a:xfrm>
+      </p:grpSpPr>
+      <p:sp>
+        <p:nvSpPr>
+          <p:cNvPr id="2" name="Titre 1">
+            <a:extLst>
+              <a:ext uri="{FF2B5EF4-FFF2-40B4-BE49-F238E27FC236}">
                 <a16:creationId xmlns:a16="http://schemas.microsoft.com/office/drawing/2014/main" id="{6A18F70A-4F50-6AA3-7FC0-BAFB96FC85A9}"/>
               </a:ext>
             </a:extLst>
@@ -5684,7 +5841,7 @@
 </p:sld>
 </file>
 
-<file path=ppt/slides/slide24.xml><?xml version="1.0" encoding="utf-8"?>
+<file path=ppt/slides/slide25.xml><?xml version="1.0" encoding="utf-8"?>
 <p:sld xmlns:a="http://schemas.openxmlformats.org/drawingml/2006/main" xmlns:r="http://schemas.openxmlformats.org/officeDocument/2006/relationships" xmlns:p="http://schemas.openxmlformats.org/presentationml/2006/main">
   <p:cSld>
     <p:spTree>

--- a/ppt/GIT02-Commit.pptx
+++ b/ppt/GIT02-Commit.pptx
@@ -6400,6 +6400,36 @@
           </a:p>
         </p:txBody>
       </p:sp>
+      <p:pic>
+        <p:nvPicPr>
+          <p:cNvPr id="5" name="Image 4">
+            <a:extLst>
+              <a:ext uri="{FF2B5EF4-FFF2-40B4-BE49-F238E27FC236}">
+                <a16:creationId xmlns:a16="http://schemas.microsoft.com/office/drawing/2014/main" id="{477508C9-9B23-CEFE-1C9A-2567471003AE}"/>
+              </a:ext>
+            </a:extLst>
+          </p:cNvPr>
+          <p:cNvPicPr>
+            <a:picLocks noChangeAspect="1"/>
+          </p:cNvPicPr>
+          <p:nvPr/>
+        </p:nvPicPr>
+        <p:blipFill>
+          <a:blip r:embed="rId2"/>
+          <a:stretch>
+            <a:fillRect/>
+          </a:stretch>
+        </p:blipFill>
+        <p:spPr>
+          <a:xfrm>
+            <a:off x="5525905" y="1700808"/>
+            <a:ext cx="3618095" cy="2448272"/>
+          </a:xfrm>
+          <a:prstGeom prst="rect">
+            <a:avLst/>
+          </a:prstGeom>
+        </p:spPr>
+      </p:pic>
     </p:spTree>
     <p:extLst>
       <p:ext uri="{BB962C8B-B14F-4D97-AF65-F5344CB8AC3E}">

--- a/ppt/GIT02-Commit.pptx
+++ b/ppt/GIT02-Commit.pptx
@@ -5,10 +5,10 @@
     <p:sldMasterId id="2147483653" r:id="rId1"/>
   </p:sldMasterIdLst>
   <p:notesMasterIdLst>
-    <p:notesMasterId r:id="rId27"/>
+    <p:notesMasterId r:id="rId28"/>
   </p:notesMasterIdLst>
   <p:handoutMasterIdLst>
-    <p:handoutMasterId r:id="rId28"/>
+    <p:handoutMasterId r:id="rId29"/>
   </p:handoutMasterIdLst>
   <p:sldIdLst>
     <p:sldId id="264" r:id="rId2"/>
@@ -36,6 +36,7 @@
     <p:sldId id="385" r:id="rId24"/>
     <p:sldId id="383" r:id="rId25"/>
     <p:sldId id="384" r:id="rId26"/>
+    <p:sldId id="387" r:id="rId27"/>
   </p:sldIdLst>
   <p:sldSz cx="9144000" cy="6858000" type="screen4x3"/>
   <p:notesSz cx="6648450" cy="9782175"/>
@@ -5984,11 +5985,48 @@
             </a:r>
             <a:r>
               <a:rPr lang="fr-FR" dirty="0"/>
-              <a:t> en propose </a:t>
+              <a:t> en propose par défaut</a:t>
+            </a:r>
+          </a:p>
+          <a:p>
+            <a:r>
+              <a:rPr lang="fr-FR" dirty="0"/>
+              <a:t>git </a:t>
+            </a:r>
+            <a:r>
+              <a:rPr lang="fr-FR" dirty="0" err="1"/>
+              <a:t>add</a:t>
+            </a:r>
+            <a:r>
+              <a:rPr lang="fr-FR" dirty="0"/>
+              <a:t> file –force</a:t>
+            </a:r>
+          </a:p>
+          <a:p>
+            <a:pPr lvl="1"/>
+            <a:r>
+              <a:rPr lang="fr-FR" dirty="0"/>
+              <a:t>Ajoute le </a:t>
+            </a:r>
+            <a:r>
+              <a:rPr lang="fr-FR" dirty="0" err="1"/>
+              <a:t>le</a:t>
+            </a:r>
+            <a:r>
+              <a:rPr lang="fr-FR" dirty="0"/>
+              <a:t> fichier dans le </a:t>
+            </a:r>
+            <a:r>
+              <a:rPr lang="fr-FR" dirty="0" err="1"/>
+              <a:t>staging</a:t>
+            </a:r>
+            <a:r>
+              <a:rPr lang="fr-FR" dirty="0"/>
+              <a:t> même si présent dans </a:t>
             </a:r>
             <a:r>
               <a:rPr lang="fr-FR"/>
-              <a:t>par défaut</a:t>
+              <a:t>gitignore</a:t>
             </a:r>
             <a:endParaRPr lang="fr-FR" dirty="0"/>
           </a:p>
@@ -6001,6 +6039,86 @@
     <p:extLst>
       <p:ext uri="{BB962C8B-B14F-4D97-AF65-F5344CB8AC3E}">
         <p14:creationId xmlns:p14="http://schemas.microsoft.com/office/powerpoint/2010/main" val="2645110433"/>
+      </p:ext>
+    </p:extLst>
+  </p:cSld>
+  <p:clrMapOvr>
+    <a:masterClrMapping/>
+  </p:clrMapOvr>
+</p:sld>
+</file>
+
+<file path=ppt/slides/slide26.xml><?xml version="1.0" encoding="utf-8"?>
+<p:sld xmlns:a="http://schemas.openxmlformats.org/drawingml/2006/main" xmlns:r="http://schemas.openxmlformats.org/officeDocument/2006/relationships" xmlns:p="http://schemas.openxmlformats.org/presentationml/2006/main">
+  <p:cSld>
+    <p:spTree>
+      <p:nvGrpSpPr>
+        <p:cNvPr id="1" name=""/>
+        <p:cNvGrpSpPr/>
+        <p:nvPr/>
+      </p:nvGrpSpPr>
+      <p:grpSpPr>
+        <a:xfrm>
+          <a:off x="0" y="0"/>
+          <a:ext cx="0" cy="0"/>
+          <a:chOff x="0" y="0"/>
+          <a:chExt cx="0" cy="0"/>
+        </a:xfrm>
+      </p:grpSpPr>
+      <p:sp>
+        <p:nvSpPr>
+          <p:cNvPr id="2" name="Titre 1">
+            <a:extLst>
+              <a:ext uri="{FF2B5EF4-FFF2-40B4-BE49-F238E27FC236}">
+                <a16:creationId xmlns:a16="http://schemas.microsoft.com/office/drawing/2014/main" id="{BA2F40A2-685A-D0EA-DBE9-095C02907C84}"/>
+              </a:ext>
+            </a:extLst>
+          </p:cNvPr>
+          <p:cNvSpPr>
+            <a:spLocks noGrp="1"/>
+          </p:cNvSpPr>
+          <p:nvPr>
+            <p:ph type="title"/>
+          </p:nvPr>
+        </p:nvSpPr>
+        <p:spPr/>
+        <p:txBody>
+          <a:bodyPr/>
+          <a:lstStyle/>
+          <a:p>
+            <a:endParaRPr lang="fr-FR" dirty="0"/>
+          </a:p>
+        </p:txBody>
+      </p:sp>
+      <p:sp>
+        <p:nvSpPr>
+          <p:cNvPr id="3" name="Espace réservé du contenu 2">
+            <a:extLst>
+              <a:ext uri="{FF2B5EF4-FFF2-40B4-BE49-F238E27FC236}">
+                <a16:creationId xmlns:a16="http://schemas.microsoft.com/office/drawing/2014/main" id="{764CA7E4-1154-6C0A-003E-30F72484269A}"/>
+              </a:ext>
+            </a:extLst>
+          </p:cNvPr>
+          <p:cNvSpPr>
+            <a:spLocks noGrp="1"/>
+          </p:cNvSpPr>
+          <p:nvPr>
+            <p:ph idx="1"/>
+          </p:nvPr>
+        </p:nvSpPr>
+        <p:spPr/>
+        <p:txBody>
+          <a:bodyPr/>
+          <a:lstStyle/>
+          <a:p>
+            <a:endParaRPr lang="fr-FR"/>
+          </a:p>
+        </p:txBody>
+      </p:sp>
+    </p:spTree>
+    <p:extLst>
+      <p:ext uri="{BB962C8B-B14F-4D97-AF65-F5344CB8AC3E}">
+        <p14:creationId xmlns:p14="http://schemas.microsoft.com/office/powerpoint/2010/main" val="3223350924"/>
       </p:ext>
     </p:extLst>
   </p:cSld>
